--- a/Präsentation Simulation einer zweispurigen Autobahn.pptx
+++ b/Präsentation Simulation einer zweispurigen Autobahn.pptx
@@ -241,6 +241,11 @@
       </a:defRPr>
     </a:lvl9pPr>
   </p:defaultTextStyle>
+  <p:extLst>
+    <p:ext uri="{EFAFB233-063F-42B5-8137-9DF3F51BA10A}">
+      <p15:sldGuideLst xmlns:p15="http://schemas.microsoft.com/office/powerpoint/2012/main"/>
+    </p:ext>
+  </p:extLst>
 </p:presentation>
 </file>
 
@@ -7619,11 +7624,11 @@
   <p:clrMapOvr>
     <a:masterClrMapping/>
   </p:clrMapOvr>
-  <mc:AlternateContent xmlns:mc="http://schemas.openxmlformats.org/markup-compatibility/2006">
-    <mc:Choice xmlns:p14="http://schemas.microsoft.com/office/powerpoint/2010/main" Requires="p14">
+  <mc:AlternateContent xmlns:mc="http://schemas.openxmlformats.org/markup-compatibility/2006" xmlns:p14="http://schemas.microsoft.com/office/powerpoint/2010/main">
+    <mc:Choice Requires="p14">
       <p:transition p14:dur="0"/>
     </mc:Choice>
-    <mc:Fallback>
+    <mc:Fallback xmlns="">
       <p:transition/>
     </mc:Fallback>
   </mc:AlternateContent>
@@ -7724,16 +7729,76 @@
           </a:ln>
         </p:spPr>
       </p:pic>
+      <p:sp>
+        <p:nvSpPr>
+          <p:cNvPr id="2" name="Textfeld 1"/>
+          <p:cNvSpPr txBox="1"/>
+          <p:nvPr/>
+        </p:nvSpPr>
+        <p:spPr>
+          <a:xfrm>
+            <a:off x="3454400" y="1548900"/>
+            <a:ext cx="2125903" cy="307777"/>
+          </a:xfrm>
+          <a:prstGeom prst="rect">
+            <a:avLst/>
+          </a:prstGeom>
+          <a:noFill/>
+        </p:spPr>
+        <p:txBody>
+          <a:bodyPr wrap="none" rtlCol="0">
+            <a:spAutoFit/>
+          </a:bodyPr>
+          <a:lstStyle/>
+          <a:p>
+            <a:r>
+              <a:rPr lang="de-DE" dirty="0" smtClean="0"/>
+              <a:t>Mittlere Geschwindigkeit</a:t>
+            </a:r>
+            <a:endParaRPr lang="de-DE" dirty="0"/>
+          </a:p>
+        </p:txBody>
+      </p:sp>
+      <p:sp>
+        <p:nvSpPr>
+          <p:cNvPr id="5" name="Textfeld 4"/>
+          <p:cNvSpPr txBox="1"/>
+          <p:nvPr/>
+        </p:nvSpPr>
+        <p:spPr>
+          <a:xfrm>
+            <a:off x="3917814" y="3282450"/>
+            <a:ext cx="1308371" cy="307777"/>
+          </a:xfrm>
+          <a:prstGeom prst="rect">
+            <a:avLst/>
+          </a:prstGeom>
+          <a:noFill/>
+        </p:spPr>
+        <p:txBody>
+          <a:bodyPr wrap="none" rtlCol="0">
+            <a:spAutoFit/>
+          </a:bodyPr>
+          <a:lstStyle/>
+          <a:p>
+            <a:r>
+              <a:rPr lang="de-DE" dirty="0" smtClean="0"/>
+              <a:t>Mittlerer Fluss</a:t>
+            </a:r>
+            <a:endParaRPr lang="de-DE" dirty="0"/>
+          </a:p>
+        </p:txBody>
+      </p:sp>
     </p:spTree>
   </p:cSld>
   <p:clrMapOvr>
     <a:masterClrMapping/>
   </p:clrMapOvr>
-  <mc:AlternateContent xmlns:mc="http://schemas.openxmlformats.org/markup-compatibility/2006">
-    <mc:Choice xmlns:p14="http://schemas.microsoft.com/office/powerpoint/2010/main" Requires="p14">
+  <mc:AlternateContent xmlns:mc="http://schemas.openxmlformats.org/markup-compatibility/2006" xmlns:p14="http://schemas.microsoft.com/office/powerpoint/2010/main">
+    <mc:Choice Requires="p14">
       <p:transition p14:dur="0"/>
     </mc:Choice>
-    <mc:Fallback>
+    <mc:Fallback xmlns="">
       <p:transition/>
     </mc:Fallback>
   </mc:AlternateContent>
@@ -7912,11 +7977,11 @@
   <p:clrMapOvr>
     <a:masterClrMapping/>
   </p:clrMapOvr>
-  <mc:AlternateContent xmlns:mc="http://schemas.openxmlformats.org/markup-compatibility/2006">
-    <mc:Choice xmlns:p14="http://schemas.microsoft.com/office/powerpoint/2010/main" Requires="p14">
+  <mc:AlternateContent xmlns:mc="http://schemas.openxmlformats.org/markup-compatibility/2006" xmlns:p14="http://schemas.microsoft.com/office/powerpoint/2010/main">
+    <mc:Choice Requires="p14">
       <p:transition p14:dur="0"/>
     </mc:Choice>
-    <mc:Fallback>
+    <mc:Fallback xmlns="">
       <p:transition/>
     </mc:Fallback>
   </mc:AlternateContent>
@@ -8146,11 +8211,11 @@
   <p:clrMapOvr>
     <a:masterClrMapping/>
   </p:clrMapOvr>
-  <mc:AlternateContent xmlns:mc="http://schemas.openxmlformats.org/markup-compatibility/2006">
-    <mc:Choice xmlns:p14="http://schemas.microsoft.com/office/powerpoint/2010/main" Requires="p14">
+  <mc:AlternateContent xmlns:mc="http://schemas.openxmlformats.org/markup-compatibility/2006" xmlns:p14="http://schemas.microsoft.com/office/powerpoint/2010/main">
+    <mc:Choice Requires="p14">
       <p:transition p14:dur="0"/>
     </mc:Choice>
-    <mc:Fallback>
+    <mc:Fallback xmlns="">
       <p:transition/>
     </mc:Fallback>
   </mc:AlternateContent>
@@ -8251,16 +8316,76 @@
           </a:ln>
         </p:spPr>
       </p:pic>
+      <p:sp>
+        <p:nvSpPr>
+          <p:cNvPr id="4" name="Textfeld 3"/>
+          <p:cNvSpPr txBox="1"/>
+          <p:nvPr/>
+        </p:nvSpPr>
+        <p:spPr>
+          <a:xfrm>
+            <a:off x="3454400" y="1548900"/>
+            <a:ext cx="2125903" cy="307777"/>
+          </a:xfrm>
+          <a:prstGeom prst="rect">
+            <a:avLst/>
+          </a:prstGeom>
+          <a:noFill/>
+        </p:spPr>
+        <p:txBody>
+          <a:bodyPr wrap="none" rtlCol="0">
+            <a:spAutoFit/>
+          </a:bodyPr>
+          <a:lstStyle/>
+          <a:p>
+            <a:r>
+              <a:rPr lang="de-DE" dirty="0" smtClean="0"/>
+              <a:t>Mittlere Geschwindigkeit</a:t>
+            </a:r>
+            <a:endParaRPr lang="de-DE" dirty="0"/>
+          </a:p>
+        </p:txBody>
+      </p:sp>
+      <p:sp>
+        <p:nvSpPr>
+          <p:cNvPr id="5" name="Textfeld 4"/>
+          <p:cNvSpPr txBox="1"/>
+          <p:nvPr/>
+        </p:nvSpPr>
+        <p:spPr>
+          <a:xfrm>
+            <a:off x="3917814" y="3282450"/>
+            <a:ext cx="1308371" cy="307777"/>
+          </a:xfrm>
+          <a:prstGeom prst="rect">
+            <a:avLst/>
+          </a:prstGeom>
+          <a:noFill/>
+        </p:spPr>
+        <p:txBody>
+          <a:bodyPr wrap="none" rtlCol="0">
+            <a:spAutoFit/>
+          </a:bodyPr>
+          <a:lstStyle/>
+          <a:p>
+            <a:r>
+              <a:rPr lang="de-DE" dirty="0" smtClean="0"/>
+              <a:t>Mittlerer Fluss</a:t>
+            </a:r>
+            <a:endParaRPr lang="de-DE" dirty="0"/>
+          </a:p>
+        </p:txBody>
+      </p:sp>
     </p:spTree>
   </p:cSld>
   <p:clrMapOvr>
     <a:masterClrMapping/>
   </p:clrMapOvr>
-  <mc:AlternateContent xmlns:mc="http://schemas.openxmlformats.org/markup-compatibility/2006">
-    <mc:Choice xmlns:p14="http://schemas.microsoft.com/office/powerpoint/2010/main" Requires="p14">
+  <mc:AlternateContent xmlns:mc="http://schemas.openxmlformats.org/markup-compatibility/2006" xmlns:p14="http://schemas.microsoft.com/office/powerpoint/2010/main">
+    <mc:Choice Requires="p14">
       <p:transition p14:dur="0"/>
     </mc:Choice>
-    <mc:Fallback>
+    <mc:Fallback xmlns="">
       <p:transition/>
     </mc:Fallback>
   </mc:AlternateContent>
@@ -8361,16 +8486,76 @@
           </a:ln>
         </p:spPr>
       </p:pic>
+      <p:sp>
+        <p:nvSpPr>
+          <p:cNvPr id="4" name="Textfeld 3"/>
+          <p:cNvSpPr txBox="1"/>
+          <p:nvPr/>
+        </p:nvSpPr>
+        <p:spPr>
+          <a:xfrm>
+            <a:off x="3454400" y="1548900"/>
+            <a:ext cx="2125903" cy="307777"/>
+          </a:xfrm>
+          <a:prstGeom prst="rect">
+            <a:avLst/>
+          </a:prstGeom>
+          <a:noFill/>
+        </p:spPr>
+        <p:txBody>
+          <a:bodyPr wrap="none" rtlCol="0">
+            <a:spAutoFit/>
+          </a:bodyPr>
+          <a:lstStyle/>
+          <a:p>
+            <a:r>
+              <a:rPr lang="de-DE" dirty="0" smtClean="0"/>
+              <a:t>Mittlere Geschwindigkeit</a:t>
+            </a:r>
+            <a:endParaRPr lang="de-DE" dirty="0"/>
+          </a:p>
+        </p:txBody>
+      </p:sp>
+      <p:sp>
+        <p:nvSpPr>
+          <p:cNvPr id="5" name="Textfeld 4"/>
+          <p:cNvSpPr txBox="1"/>
+          <p:nvPr/>
+        </p:nvSpPr>
+        <p:spPr>
+          <a:xfrm>
+            <a:off x="3917814" y="3282450"/>
+            <a:ext cx="1308371" cy="307777"/>
+          </a:xfrm>
+          <a:prstGeom prst="rect">
+            <a:avLst/>
+          </a:prstGeom>
+          <a:noFill/>
+        </p:spPr>
+        <p:txBody>
+          <a:bodyPr wrap="none" rtlCol="0">
+            <a:spAutoFit/>
+          </a:bodyPr>
+          <a:lstStyle/>
+          <a:p>
+            <a:r>
+              <a:rPr lang="de-DE" dirty="0" smtClean="0"/>
+              <a:t>Mittlerer Fluss</a:t>
+            </a:r>
+            <a:endParaRPr lang="de-DE" dirty="0"/>
+          </a:p>
+        </p:txBody>
+      </p:sp>
     </p:spTree>
   </p:cSld>
   <p:clrMapOvr>
     <a:masterClrMapping/>
   </p:clrMapOvr>
-  <mc:AlternateContent xmlns:mc="http://schemas.openxmlformats.org/markup-compatibility/2006">
-    <mc:Choice xmlns:p14="http://schemas.microsoft.com/office/powerpoint/2010/main" Requires="p14">
+  <mc:AlternateContent xmlns:mc="http://schemas.openxmlformats.org/markup-compatibility/2006" xmlns:p14="http://schemas.microsoft.com/office/powerpoint/2010/main">
+    <mc:Choice Requires="p14">
       <p:transition p14:dur="0"/>
     </mc:Choice>
-    <mc:Fallback>
+    <mc:Fallback xmlns="">
       <p:transition/>
     </mc:Fallback>
   </mc:AlternateContent>
@@ -8473,16 +8658,76 @@
           </a:prstGeom>
         </p:spPr>
       </p:pic>
+      <p:sp>
+        <p:nvSpPr>
+          <p:cNvPr id="4" name="Textfeld 3"/>
+          <p:cNvSpPr txBox="1"/>
+          <p:nvPr/>
+        </p:nvSpPr>
+        <p:spPr>
+          <a:xfrm>
+            <a:off x="3509047" y="1421401"/>
+            <a:ext cx="2125903" cy="307777"/>
+          </a:xfrm>
+          <a:prstGeom prst="rect">
+            <a:avLst/>
+          </a:prstGeom>
+          <a:noFill/>
+        </p:spPr>
+        <p:txBody>
+          <a:bodyPr wrap="none" rtlCol="0">
+            <a:spAutoFit/>
+          </a:bodyPr>
+          <a:lstStyle/>
+          <a:p>
+            <a:r>
+              <a:rPr lang="de-DE" dirty="0" smtClean="0"/>
+              <a:t>Mittlere Geschwindigkeit</a:t>
+            </a:r>
+            <a:endParaRPr lang="de-DE" dirty="0"/>
+          </a:p>
+        </p:txBody>
+      </p:sp>
+      <p:sp>
+        <p:nvSpPr>
+          <p:cNvPr id="5" name="Textfeld 4"/>
+          <p:cNvSpPr txBox="1"/>
+          <p:nvPr/>
+        </p:nvSpPr>
+        <p:spPr>
+          <a:xfrm>
+            <a:off x="3917814" y="3282450"/>
+            <a:ext cx="1308371" cy="307777"/>
+          </a:xfrm>
+          <a:prstGeom prst="rect">
+            <a:avLst/>
+          </a:prstGeom>
+          <a:noFill/>
+        </p:spPr>
+        <p:txBody>
+          <a:bodyPr wrap="none" rtlCol="0">
+            <a:spAutoFit/>
+          </a:bodyPr>
+          <a:lstStyle/>
+          <a:p>
+            <a:r>
+              <a:rPr lang="de-DE" dirty="0" smtClean="0"/>
+              <a:t>Mittlerer Fluss</a:t>
+            </a:r>
+            <a:endParaRPr lang="de-DE" dirty="0"/>
+          </a:p>
+        </p:txBody>
+      </p:sp>
     </p:spTree>
   </p:cSld>
   <p:clrMapOvr>
     <a:masterClrMapping/>
   </p:clrMapOvr>
-  <mc:AlternateContent xmlns:mc="http://schemas.openxmlformats.org/markup-compatibility/2006">
-    <mc:Choice xmlns:p14="http://schemas.microsoft.com/office/powerpoint/2010/main" Requires="p14">
+  <mc:AlternateContent xmlns:mc="http://schemas.openxmlformats.org/markup-compatibility/2006" xmlns:p14="http://schemas.microsoft.com/office/powerpoint/2010/main">
+    <mc:Choice Requires="p14">
       <p:transition p14:dur="0"/>
     </mc:Choice>
-    <mc:Fallback>
+    <mc:Fallback xmlns="">
       <p:transition/>
     </mc:Fallback>
   </mc:AlternateContent>
@@ -8583,16 +8828,76 @@
           </a:ln>
         </p:spPr>
       </p:pic>
+      <p:sp>
+        <p:nvSpPr>
+          <p:cNvPr id="4" name="Textfeld 3"/>
+          <p:cNvSpPr txBox="1"/>
+          <p:nvPr/>
+        </p:nvSpPr>
+        <p:spPr>
+          <a:xfrm>
+            <a:off x="3454400" y="1548900"/>
+            <a:ext cx="2125903" cy="307777"/>
+          </a:xfrm>
+          <a:prstGeom prst="rect">
+            <a:avLst/>
+          </a:prstGeom>
+          <a:noFill/>
+        </p:spPr>
+        <p:txBody>
+          <a:bodyPr wrap="none" rtlCol="0">
+            <a:spAutoFit/>
+          </a:bodyPr>
+          <a:lstStyle/>
+          <a:p>
+            <a:r>
+              <a:rPr lang="de-DE" dirty="0" smtClean="0"/>
+              <a:t>Mittlere Geschwindigkeit</a:t>
+            </a:r>
+            <a:endParaRPr lang="de-DE" dirty="0"/>
+          </a:p>
+        </p:txBody>
+      </p:sp>
+      <p:sp>
+        <p:nvSpPr>
+          <p:cNvPr id="5" name="Textfeld 4"/>
+          <p:cNvSpPr txBox="1"/>
+          <p:nvPr/>
+        </p:nvSpPr>
+        <p:spPr>
+          <a:xfrm>
+            <a:off x="3917814" y="3282450"/>
+            <a:ext cx="1308371" cy="307777"/>
+          </a:xfrm>
+          <a:prstGeom prst="rect">
+            <a:avLst/>
+          </a:prstGeom>
+          <a:noFill/>
+        </p:spPr>
+        <p:txBody>
+          <a:bodyPr wrap="none" rtlCol="0">
+            <a:spAutoFit/>
+          </a:bodyPr>
+          <a:lstStyle/>
+          <a:p>
+            <a:r>
+              <a:rPr lang="de-DE" dirty="0" smtClean="0"/>
+              <a:t>Mittlerer Fluss</a:t>
+            </a:r>
+            <a:endParaRPr lang="de-DE" dirty="0"/>
+          </a:p>
+        </p:txBody>
+      </p:sp>
     </p:spTree>
   </p:cSld>
   <p:clrMapOvr>
     <a:masterClrMapping/>
   </p:clrMapOvr>
-  <mc:AlternateContent xmlns:mc="http://schemas.openxmlformats.org/markup-compatibility/2006">
-    <mc:Choice xmlns:p14="http://schemas.microsoft.com/office/powerpoint/2010/main" Requires="p14">
+  <mc:AlternateContent xmlns:mc="http://schemas.openxmlformats.org/markup-compatibility/2006" xmlns:p14="http://schemas.microsoft.com/office/powerpoint/2010/main">
+    <mc:Choice Requires="p14">
       <p:transition p14:dur="0"/>
     </mc:Choice>
-    <mc:Fallback>
+    <mc:Fallback xmlns="">
       <p:transition/>
     </mc:Fallback>
   </mc:AlternateContent>
@@ -8693,16 +8998,76 @@
           </a:ln>
         </p:spPr>
       </p:pic>
+      <p:sp>
+        <p:nvSpPr>
+          <p:cNvPr id="4" name="Textfeld 3"/>
+          <p:cNvSpPr txBox="1"/>
+          <p:nvPr/>
+        </p:nvSpPr>
+        <p:spPr>
+          <a:xfrm>
+            <a:off x="3454400" y="1548900"/>
+            <a:ext cx="2125903" cy="307777"/>
+          </a:xfrm>
+          <a:prstGeom prst="rect">
+            <a:avLst/>
+          </a:prstGeom>
+          <a:noFill/>
+        </p:spPr>
+        <p:txBody>
+          <a:bodyPr wrap="none" rtlCol="0">
+            <a:spAutoFit/>
+          </a:bodyPr>
+          <a:lstStyle/>
+          <a:p>
+            <a:r>
+              <a:rPr lang="de-DE" dirty="0" smtClean="0"/>
+              <a:t>Mittlere Geschwindigkeit</a:t>
+            </a:r>
+            <a:endParaRPr lang="de-DE" dirty="0"/>
+          </a:p>
+        </p:txBody>
+      </p:sp>
+      <p:sp>
+        <p:nvSpPr>
+          <p:cNvPr id="5" name="Textfeld 4"/>
+          <p:cNvSpPr txBox="1"/>
+          <p:nvPr/>
+        </p:nvSpPr>
+        <p:spPr>
+          <a:xfrm>
+            <a:off x="3917814" y="3282450"/>
+            <a:ext cx="1308371" cy="307777"/>
+          </a:xfrm>
+          <a:prstGeom prst="rect">
+            <a:avLst/>
+          </a:prstGeom>
+          <a:noFill/>
+        </p:spPr>
+        <p:txBody>
+          <a:bodyPr wrap="none" rtlCol="0">
+            <a:spAutoFit/>
+          </a:bodyPr>
+          <a:lstStyle/>
+          <a:p>
+            <a:r>
+              <a:rPr lang="de-DE" dirty="0" smtClean="0"/>
+              <a:t>Mittlerer Fluss</a:t>
+            </a:r>
+            <a:endParaRPr lang="de-DE" dirty="0"/>
+          </a:p>
+        </p:txBody>
+      </p:sp>
     </p:spTree>
   </p:cSld>
   <p:clrMapOvr>
     <a:masterClrMapping/>
   </p:clrMapOvr>
-  <mc:AlternateContent xmlns:mc="http://schemas.openxmlformats.org/markup-compatibility/2006">
-    <mc:Choice xmlns:p14="http://schemas.microsoft.com/office/powerpoint/2010/main" Requires="p14">
+  <mc:AlternateContent xmlns:mc="http://schemas.openxmlformats.org/markup-compatibility/2006" xmlns:p14="http://schemas.microsoft.com/office/powerpoint/2010/main">
+    <mc:Choice Requires="p14">
       <p:transition p14:dur="0"/>
     </mc:Choice>
-    <mc:Fallback>
+    <mc:Fallback xmlns="">
       <p:transition/>
     </mc:Fallback>
   </mc:AlternateContent>
@@ -8915,11 +9280,11 @@
   <p:clrMapOvr>
     <a:masterClrMapping/>
   </p:clrMapOvr>
-  <mc:AlternateContent xmlns:mc="http://schemas.openxmlformats.org/markup-compatibility/2006">
-    <mc:Choice xmlns:p14="http://schemas.microsoft.com/office/powerpoint/2010/main" Requires="p14">
+  <mc:AlternateContent xmlns:mc="http://schemas.openxmlformats.org/markup-compatibility/2006" xmlns:p14="http://schemas.microsoft.com/office/powerpoint/2010/main">
+    <mc:Choice Requires="p14">
       <p:transition p14:dur="0"/>
     </mc:Choice>
-    <mc:Fallback>
+    <mc:Fallback xmlns="">
       <p:transition/>
     </mc:Fallback>
   </mc:AlternateContent>
@@ -9240,11 +9605,11 @@
   <p:clrMapOvr>
     <a:masterClrMapping/>
   </p:clrMapOvr>
-  <mc:AlternateContent xmlns:mc="http://schemas.openxmlformats.org/markup-compatibility/2006">
-    <mc:Choice xmlns:p14="http://schemas.microsoft.com/office/powerpoint/2010/main" Requires="p14">
+  <mc:AlternateContent xmlns:mc="http://schemas.openxmlformats.org/markup-compatibility/2006" xmlns:p14="http://schemas.microsoft.com/office/powerpoint/2010/main">
+    <mc:Choice Requires="p14">
       <p:transition p14:dur="0"/>
     </mc:Choice>
-    <mc:Fallback>
+    <mc:Fallback xmlns="">
       <p:transition/>
     </mc:Fallback>
   </mc:AlternateContent>
@@ -9490,11 +9855,11 @@
   <p:clrMapOvr>
     <a:masterClrMapping/>
   </p:clrMapOvr>
-  <mc:AlternateContent xmlns:mc="http://schemas.openxmlformats.org/markup-compatibility/2006">
-    <mc:Choice xmlns:p14="http://schemas.microsoft.com/office/powerpoint/2010/main" Requires="p14">
+  <mc:AlternateContent xmlns:mc="http://schemas.openxmlformats.org/markup-compatibility/2006" xmlns:p14="http://schemas.microsoft.com/office/powerpoint/2010/main">
+    <mc:Choice Requires="p14">
       <p:transition p14:dur="0"/>
     </mc:Choice>
-    <mc:Fallback>
+    <mc:Fallback xmlns="">
       <p:transition/>
     </mc:Fallback>
   </mc:AlternateContent>
@@ -9798,11 +10163,11 @@
   <p:clrMapOvr>
     <a:masterClrMapping/>
   </p:clrMapOvr>
-  <mc:AlternateContent xmlns:mc="http://schemas.openxmlformats.org/markup-compatibility/2006">
-    <mc:Choice xmlns:p14="http://schemas.microsoft.com/office/powerpoint/2010/main" Requires="p14">
+  <mc:AlternateContent xmlns:mc="http://schemas.openxmlformats.org/markup-compatibility/2006" xmlns:p14="http://schemas.microsoft.com/office/powerpoint/2010/main">
+    <mc:Choice Requires="p14">
       <p:transition p14:dur="0"/>
     </mc:Choice>
-    <mc:Fallback>
+    <mc:Fallback xmlns="">
       <p:transition/>
     </mc:Fallback>
   </mc:AlternateContent>
@@ -10141,11 +10506,11 @@
   <p:clrMapOvr>
     <a:masterClrMapping/>
   </p:clrMapOvr>
-  <mc:AlternateContent xmlns:mc="http://schemas.openxmlformats.org/markup-compatibility/2006">
-    <mc:Choice xmlns:p14="http://schemas.microsoft.com/office/powerpoint/2010/main" Requires="p14">
+  <mc:AlternateContent xmlns:mc="http://schemas.openxmlformats.org/markup-compatibility/2006" xmlns:p14="http://schemas.microsoft.com/office/powerpoint/2010/main">
+    <mc:Choice Requires="p14">
       <p:transition p14:dur="0"/>
     </mc:Choice>
-    <mc:Fallback>
+    <mc:Fallback xmlns="">
       <p:transition/>
     </mc:Fallback>
   </mc:AlternateContent>
@@ -10452,11 +10817,11 @@
   <p:clrMapOvr>
     <a:masterClrMapping/>
   </p:clrMapOvr>
-  <mc:AlternateContent xmlns:mc="http://schemas.openxmlformats.org/markup-compatibility/2006">
-    <mc:Choice xmlns:p14="http://schemas.microsoft.com/office/powerpoint/2010/main" Requires="p14">
+  <mc:AlternateContent xmlns:mc="http://schemas.openxmlformats.org/markup-compatibility/2006" xmlns:p14="http://schemas.microsoft.com/office/powerpoint/2010/main">
+    <mc:Choice Requires="p14">
       <p:transition p14:dur="0"/>
     </mc:Choice>
-    <mc:Fallback>
+    <mc:Fallback xmlns="">
       <p:transition/>
     </mc:Fallback>
   </mc:AlternateContent>
@@ -10727,11 +11092,11 @@
   <p:clrMapOvr>
     <a:masterClrMapping/>
   </p:clrMapOvr>
-  <mc:AlternateContent xmlns:mc="http://schemas.openxmlformats.org/markup-compatibility/2006">
-    <mc:Choice xmlns:p14="http://schemas.microsoft.com/office/powerpoint/2010/main" Requires="p14">
+  <mc:AlternateContent xmlns:mc="http://schemas.openxmlformats.org/markup-compatibility/2006" xmlns:p14="http://schemas.microsoft.com/office/powerpoint/2010/main">
+    <mc:Choice Requires="p14">
       <p:transition p14:dur="0"/>
     </mc:Choice>
-    <mc:Fallback>
+    <mc:Fallback xmlns="">
       <p:transition/>
     </mc:Fallback>
   </mc:AlternateContent>
@@ -10958,11 +11323,11 @@
   <p:clrMapOvr>
     <a:masterClrMapping/>
   </p:clrMapOvr>
-  <mc:AlternateContent xmlns:mc="http://schemas.openxmlformats.org/markup-compatibility/2006">
-    <mc:Choice xmlns:p14="http://schemas.microsoft.com/office/powerpoint/2010/main" Requires="p14">
+  <mc:AlternateContent xmlns:mc="http://schemas.openxmlformats.org/markup-compatibility/2006" xmlns:p14="http://schemas.microsoft.com/office/powerpoint/2010/main">
+    <mc:Choice Requires="p14">
       <p:transition p14:dur="0"/>
     </mc:Choice>
-    <mc:Fallback>
+    <mc:Fallback xmlns="">
       <p:transition/>
     </mc:Fallback>
   </mc:AlternateContent>
@@ -11290,11 +11655,11 @@
   <p:clrMapOvr>
     <a:masterClrMapping/>
   </p:clrMapOvr>
-  <mc:AlternateContent xmlns:mc="http://schemas.openxmlformats.org/markup-compatibility/2006">
-    <mc:Choice xmlns:p14="http://schemas.microsoft.com/office/powerpoint/2010/main" Requires="p14">
+  <mc:AlternateContent xmlns:mc="http://schemas.openxmlformats.org/markup-compatibility/2006" xmlns:p14="http://schemas.microsoft.com/office/powerpoint/2010/main">
+    <mc:Choice Requires="p14">
       <p:transition p14:dur="0"/>
     </mc:Choice>
-    <mc:Fallback>
+    <mc:Fallback xmlns="">
       <p:transition/>
     </mc:Fallback>
   </mc:AlternateContent>
@@ -11466,11 +11831,11 @@
   <p:clrMapOvr>
     <a:masterClrMapping/>
   </p:clrMapOvr>
-  <mc:AlternateContent xmlns:mc="http://schemas.openxmlformats.org/markup-compatibility/2006">
-    <mc:Choice xmlns:p14="http://schemas.microsoft.com/office/powerpoint/2010/main" Requires="p14">
+  <mc:AlternateContent xmlns:mc="http://schemas.openxmlformats.org/markup-compatibility/2006" xmlns:p14="http://schemas.microsoft.com/office/powerpoint/2010/main">
+    <mc:Choice Requires="p14">
       <p:transition p14:dur="0"/>
     </mc:Choice>
-    <mc:Fallback>
+    <mc:Fallback xmlns="">
       <p:transition/>
     </mc:Fallback>
   </mc:AlternateContent>
@@ -11664,11 +12029,11 @@
   <p:clrMapOvr>
     <a:masterClrMapping/>
   </p:clrMapOvr>
-  <mc:AlternateContent xmlns:mc="http://schemas.openxmlformats.org/markup-compatibility/2006">
-    <mc:Choice xmlns:p14="http://schemas.microsoft.com/office/powerpoint/2010/main" Requires="p14">
+  <mc:AlternateContent xmlns:mc="http://schemas.openxmlformats.org/markup-compatibility/2006" xmlns:p14="http://schemas.microsoft.com/office/powerpoint/2010/main">
+    <mc:Choice Requires="p14">
       <p:transition p14:dur="0"/>
     </mc:Choice>
-    <mc:Fallback>
+    <mc:Fallback xmlns="">
       <p:transition/>
     </mc:Fallback>
   </mc:AlternateContent>
@@ -11952,11 +12317,11 @@
   <p:clrMapOvr>
     <a:masterClrMapping/>
   </p:clrMapOvr>
-  <mc:AlternateContent xmlns:mc="http://schemas.openxmlformats.org/markup-compatibility/2006">
-    <mc:Choice xmlns:p14="http://schemas.microsoft.com/office/powerpoint/2010/main" Requires="p14">
+  <mc:AlternateContent xmlns:mc="http://schemas.openxmlformats.org/markup-compatibility/2006" xmlns:p14="http://schemas.microsoft.com/office/powerpoint/2010/main">
+    <mc:Choice Requires="p14">
       <p:transition p14:dur="0"/>
     </mc:Choice>
-    <mc:Fallback>
+    <mc:Fallback xmlns="">
       <p:transition/>
     </mc:Fallback>
   </mc:AlternateContent>
@@ -12230,11 +12595,11 @@
   <p:clrMapOvr>
     <a:masterClrMapping/>
   </p:clrMapOvr>
-  <mc:AlternateContent xmlns:mc="http://schemas.openxmlformats.org/markup-compatibility/2006">
-    <mc:Choice xmlns:p14="http://schemas.microsoft.com/office/powerpoint/2010/main" Requires="p14">
+  <mc:AlternateContent xmlns:mc="http://schemas.openxmlformats.org/markup-compatibility/2006" xmlns:p14="http://schemas.microsoft.com/office/powerpoint/2010/main">
+    <mc:Choice Requires="p14">
       <p:transition p14:dur="0"/>
     </mc:Choice>
-    <mc:Fallback>
+    <mc:Fallback xmlns="">
       <p:transition/>
     </mc:Fallback>
   </mc:AlternateContent>
@@ -12504,11 +12869,11 @@
   <p:clrMapOvr>
     <a:masterClrMapping/>
   </p:clrMapOvr>
-  <mc:AlternateContent xmlns:mc="http://schemas.openxmlformats.org/markup-compatibility/2006">
-    <mc:Choice xmlns:p14="http://schemas.microsoft.com/office/powerpoint/2010/main" Requires="p14">
+  <mc:AlternateContent xmlns:mc="http://schemas.openxmlformats.org/markup-compatibility/2006" xmlns:p14="http://schemas.microsoft.com/office/powerpoint/2010/main">
+    <mc:Choice Requires="p14">
       <p:transition p14:dur="0"/>
     </mc:Choice>
-    <mc:Fallback>
+    <mc:Fallback xmlns="">
       <p:transition/>
     </mc:Fallback>
   </mc:AlternateContent>
@@ -12939,11 +13304,11 @@
   <p:clrMapOvr>
     <a:masterClrMapping/>
   </p:clrMapOvr>
-  <mc:AlternateContent xmlns:mc="http://schemas.openxmlformats.org/markup-compatibility/2006">
-    <mc:Choice xmlns:p14="http://schemas.microsoft.com/office/powerpoint/2010/main" Requires="p14">
+  <mc:AlternateContent xmlns:mc="http://schemas.openxmlformats.org/markup-compatibility/2006" xmlns:p14="http://schemas.microsoft.com/office/powerpoint/2010/main">
+    <mc:Choice Requires="p14">
       <p:transition p14:dur="0"/>
     </mc:Choice>
-    <mc:Fallback>
+    <mc:Fallback xmlns="">
       <p:transition/>
     </mc:Fallback>
   </mc:AlternateContent>
@@ -13118,11 +13483,11 @@
   <p:clrMapOvr>
     <a:masterClrMapping/>
   </p:clrMapOvr>
-  <mc:AlternateContent xmlns:mc="http://schemas.openxmlformats.org/markup-compatibility/2006">
-    <mc:Choice xmlns:p14="http://schemas.microsoft.com/office/powerpoint/2010/main" Requires="p14">
+  <mc:AlternateContent xmlns:mc="http://schemas.openxmlformats.org/markup-compatibility/2006" xmlns:p14="http://schemas.microsoft.com/office/powerpoint/2010/main">
+    <mc:Choice Requires="p14">
       <p:transition p14:dur="0"/>
     </mc:Choice>
-    <mc:Fallback>
+    <mc:Fallback xmlns="">
       <p:transition/>
     </mc:Fallback>
   </mc:AlternateContent>
@@ -13229,11 +13594,11 @@
   <p:clrMapOvr>
     <a:masterClrMapping/>
   </p:clrMapOvr>
-  <mc:AlternateContent xmlns:mc="http://schemas.openxmlformats.org/markup-compatibility/2006">
-    <mc:Choice xmlns:p14="http://schemas.microsoft.com/office/powerpoint/2010/main" Requires="p14">
+  <mc:AlternateContent xmlns:mc="http://schemas.openxmlformats.org/markup-compatibility/2006" xmlns:p14="http://schemas.microsoft.com/office/powerpoint/2010/main">
+    <mc:Choice Requires="p14">
       <p:transition p14:dur="0"/>
     </mc:Choice>
-    <mc:Fallback>
+    <mc:Fallback xmlns="">
       <p:transition/>
     </mc:Fallback>
   </mc:AlternateContent>
@@ -13539,11 +13904,11 @@
   <p:clrMapOvr>
     <a:masterClrMapping/>
   </p:clrMapOvr>
-  <mc:AlternateContent xmlns:mc="http://schemas.openxmlformats.org/markup-compatibility/2006">
-    <mc:Choice xmlns:p14="http://schemas.microsoft.com/office/powerpoint/2010/main" Requires="p14">
+  <mc:AlternateContent xmlns:mc="http://schemas.openxmlformats.org/markup-compatibility/2006" xmlns:p14="http://schemas.microsoft.com/office/powerpoint/2010/main">
+    <mc:Choice Requires="p14">
       <p:transition p14:dur="0"/>
     </mc:Choice>
-    <mc:Fallback>
+    <mc:Fallback xmlns="">
       <p:transition/>
     </mc:Fallback>
   </mc:AlternateContent>
@@ -13818,11 +14183,11 @@
   <p:clrMapOvr>
     <a:masterClrMapping/>
   </p:clrMapOvr>
-  <mc:AlternateContent xmlns:mc="http://schemas.openxmlformats.org/markup-compatibility/2006">
-    <mc:Choice xmlns:p14="http://schemas.microsoft.com/office/powerpoint/2010/main" Requires="p14">
+  <mc:AlternateContent xmlns:mc="http://schemas.openxmlformats.org/markup-compatibility/2006" xmlns:p14="http://schemas.microsoft.com/office/powerpoint/2010/main">
+    <mc:Choice Requires="p14">
       <p:transition p14:dur="0"/>
     </mc:Choice>
-    <mc:Fallback>
+    <mc:Fallback xmlns="">
       <p:transition/>
     </mc:Fallback>
   </mc:AlternateContent>
